--- a/Project_Intro.pptx
+++ b/Project_Intro.pptx
@@ -1166,7 +1166,7 @@
         </p:nvSpPr>
         <p:spPr>
           <a:xfrm>
-            <a:off x="381300" y="685800"/>
+            <a:off x="381000" y="685800"/>
             <a:ext cx="6096000" cy="3429000"/>
           </a:xfrm>
           <a:custGeom>
@@ -8426,6 +8426,36 @@
           </a:p>
         </p:txBody>
       </p:sp>
+      <p:pic>
+        <p:nvPicPr>
+          <p:cNvPr id="3" name="Picture 2" descr="Diagram&#10;&#10;Description automatically generated">
+            <a:extLst>
+              <a:ext uri="{FF2B5EF4-FFF2-40B4-BE49-F238E27FC236}">
+                <a16:creationId xmlns:a16="http://schemas.microsoft.com/office/drawing/2014/main" id="{74D02C2C-0C32-C671-853B-CAD73BFAC742}"/>
+              </a:ext>
+            </a:extLst>
+          </p:cNvPr>
+          <p:cNvPicPr>
+            <a:picLocks noChangeAspect="1"/>
+          </p:cNvPicPr>
+          <p:nvPr/>
+        </p:nvPicPr>
+        <p:blipFill>
+          <a:blip r:embed="rId3"/>
+          <a:stretch>
+            <a:fillRect/>
+          </a:stretch>
+        </p:blipFill>
+        <p:spPr>
+          <a:xfrm>
+            <a:off x="1808443" y="1300031"/>
+            <a:ext cx="5527113" cy="3843469"/>
+          </a:xfrm>
+          <a:prstGeom prst="rect">
+            <a:avLst/>
+          </a:prstGeom>
+        </p:spPr>
+      </p:pic>
     </p:spTree>
   </p:cSld>
   <p:clrMapOvr>
